--- a/API for Bike Rental.pptx
+++ b/API for Bike Rental.pptx
@@ -6067,7 +6067,7 @@
         </p:blipFill>
         <p:spPr>
           <a:xfrm>
-            <a:off x="1475656" y="2355726"/>
+            <a:off x="827584" y="2114550"/>
             <a:ext cx="914400" cy="914400"/>
           </a:xfrm>
           <a:prstGeom prst="rect">
@@ -6106,7 +6106,7 @@
         </p:blipFill>
         <p:spPr>
           <a:xfrm>
-            <a:off x="4089648" y="2355726"/>
+            <a:off x="3441576" y="2114550"/>
             <a:ext cx="914400" cy="914400"/>
           </a:xfrm>
           <a:prstGeom prst="rect">
@@ -6145,7 +6145,7 @@
         </p:blipFill>
         <p:spPr>
           <a:xfrm>
-            <a:off x="6948264" y="2355726"/>
+            <a:off x="6300192" y="2114550"/>
             <a:ext cx="914400" cy="914400"/>
           </a:xfrm>
           <a:prstGeom prst="rect">
@@ -6167,7 +6167,7 @@
         </p:nvCxnSpPr>
         <p:spPr>
           <a:xfrm>
-            <a:off x="5111797" y="2812926"/>
+            <a:off x="4463725" y="2571750"/>
             <a:ext cx="1656184" cy="0"/>
           </a:xfrm>
           <a:prstGeom prst="straightConnector1">
@@ -6206,7 +6206,7 @@
         </p:nvCxnSpPr>
         <p:spPr>
           <a:xfrm>
-            <a:off x="2483768" y="2806452"/>
+            <a:off x="1835696" y="2565276"/>
             <a:ext cx="1656184" cy="0"/>
           </a:xfrm>
           <a:prstGeom prst="straightConnector1">
@@ -6245,7 +6245,7 @@
         </p:nvSpPr>
         <p:spPr>
           <a:xfrm>
-            <a:off x="5057922" y="2947614"/>
+            <a:off x="4409850" y="2706438"/>
             <a:ext cx="1836467" cy="523220"/>
           </a:xfrm>
           <a:prstGeom prst="rect">
@@ -6310,6 +6310,442 @@
           </a:p>
         </p:txBody>
       </p:sp>
+      <p:sp>
+        <p:nvSpPr>
+          <p:cNvPr id="6" name="Rechteck: abgerundete Ecken 5">
+            <a:extLst>
+              <a:ext uri="{FF2B5EF4-FFF2-40B4-BE49-F238E27FC236}">
+                <a16:creationId xmlns:a16="http://schemas.microsoft.com/office/drawing/2014/main" id="{56B3FFEA-C4A6-49C4-ACA7-E72243892297}"/>
+              </a:ext>
+            </a:extLst>
+          </p:cNvPr>
+          <p:cNvSpPr/>
+          <p:nvPr/>
+        </p:nvSpPr>
+        <p:spPr>
+          <a:xfrm>
+            <a:off x="5004048" y="1970535"/>
+            <a:ext cx="648072" cy="735904"/>
+          </a:xfrm>
+          <a:prstGeom prst="roundRect">
+            <a:avLst/>
+          </a:prstGeom>
+          <a:solidFill>
+            <a:schemeClr val="accent3"/>
+          </a:solidFill>
+          <a:ln>
+            <a:noFill/>
+          </a:ln>
+        </p:spPr>
+        <p:style>
+          <a:lnRef idx="2">
+            <a:schemeClr val="accent1">
+              <a:shade val="50000"/>
+            </a:schemeClr>
+          </a:lnRef>
+          <a:fillRef idx="1">
+            <a:schemeClr val="accent1"/>
+          </a:fillRef>
+          <a:effectRef idx="0">
+            <a:schemeClr val="accent1"/>
+          </a:effectRef>
+          <a:fontRef idx="minor">
+            <a:schemeClr val="lt1"/>
+          </a:fontRef>
+        </p:style>
+        <p:txBody>
+          <a:bodyPr wrap="square" lIns="36000" tIns="36000" rIns="36000" bIns="36000" rtlCol="0" anchor="t" anchorCtr="0">
+            <a:normAutofit fontScale="47500" lnSpcReduction="20000"/>
+          </a:bodyPr>
+          <a:lstStyle/>
+          <a:p>
+            <a:pPr algn="ctr"/>
+            <a:r>
+              <a:rPr lang="de-CH" sz="2400" b="1" dirty="0"/>
+              <a:t>API</a:t>
+            </a:r>
+          </a:p>
+          <a:p>
+            <a:pPr algn="ctr"/>
+            <a:r>
+              <a:rPr lang="de-CH" sz="2400" b="1" dirty="0" err="1"/>
+              <a:t>Managememt</a:t>
+            </a:r>
+            <a:endParaRPr lang="de-CH" sz="2400" b="1" dirty="0"/>
+          </a:p>
+        </p:txBody>
+      </p:sp>
+      <p:pic>
+        <p:nvPicPr>
+          <p:cNvPr id="14" name="Grafik 13" descr="Server">
+            <a:extLst>
+              <a:ext uri="{FF2B5EF4-FFF2-40B4-BE49-F238E27FC236}">
+                <a16:creationId xmlns:a16="http://schemas.microsoft.com/office/drawing/2014/main" id="{08429A80-93DE-41E1-9D64-192BA76FDA11}"/>
+              </a:ext>
+            </a:extLst>
+          </p:cNvPr>
+          <p:cNvPicPr>
+            <a:picLocks noChangeAspect="1"/>
+          </p:cNvPicPr>
+          <p:nvPr/>
+        </p:nvPicPr>
+        <p:blipFill>
+          <a:blip r:embed="rId6">
+            <a:extLst>
+              <a:ext uri="{28A0092B-C50C-407E-A947-70E740481C1C}">
+                <a14:useLocalDpi xmlns:a14="http://schemas.microsoft.com/office/drawing/2010/main" val="0"/>
+              </a:ext>
+              <a:ext uri="{96DAC541-7B7A-43D3-8B79-37D633B846F1}">
+                <asvg:svgBlip xmlns:asvg="http://schemas.microsoft.com/office/drawing/2016/SVG/main" r:embed="rId7"/>
+              </a:ext>
+            </a:extLst>
+          </a:blip>
+          <a:stretch>
+            <a:fillRect/>
+          </a:stretch>
+        </p:blipFill>
+        <p:spPr>
+          <a:xfrm>
+            <a:off x="6461103" y="3409232"/>
+            <a:ext cx="576059" cy="576059"/>
+          </a:xfrm>
+          <a:prstGeom prst="rect">
+            <a:avLst/>
+          </a:prstGeom>
+        </p:spPr>
+      </p:pic>
+      <p:cxnSp>
+        <p:nvCxnSpPr>
+          <p:cNvPr id="10" name="Gerade Verbindung mit Pfeil 9">
+            <a:extLst>
+              <a:ext uri="{FF2B5EF4-FFF2-40B4-BE49-F238E27FC236}">
+                <a16:creationId xmlns:a16="http://schemas.microsoft.com/office/drawing/2014/main" id="{9FA851A0-3619-455E-94F3-CBEEDAD2E8D3}"/>
+              </a:ext>
+            </a:extLst>
+          </p:cNvPr>
+          <p:cNvCxnSpPr>
+            <a:cxnSpLocks/>
+          </p:cNvCxnSpPr>
+          <p:nvPr/>
+        </p:nvCxnSpPr>
+        <p:spPr>
+          <a:xfrm>
+            <a:off x="6757392" y="3028950"/>
+            <a:ext cx="0" cy="381744"/>
+          </a:xfrm>
+          <a:prstGeom prst="straightConnector1">
+            <a:avLst/>
+          </a:prstGeom>
+          <a:ln w="9525">
+            <a:solidFill>
+              <a:srgbClr val="B7B7B7"/>
+            </a:solidFill>
+            <a:tailEnd type="triangle"/>
+          </a:ln>
+        </p:spPr>
+        <p:style>
+          <a:lnRef idx="1">
+            <a:schemeClr val="accent1"/>
+          </a:lnRef>
+          <a:fillRef idx="0">
+            <a:schemeClr val="accent1"/>
+          </a:fillRef>
+          <a:effectRef idx="0">
+            <a:schemeClr val="accent1"/>
+          </a:effectRef>
+          <a:fontRef idx="minor">
+            <a:schemeClr val="tx1"/>
+          </a:fontRef>
+        </p:style>
+      </p:cxnSp>
+      <p:pic>
+        <p:nvPicPr>
+          <p:cNvPr id="19" name="Grafik 18" descr="Smartphone">
+            <a:extLst>
+              <a:ext uri="{FF2B5EF4-FFF2-40B4-BE49-F238E27FC236}">
+                <a16:creationId xmlns:a16="http://schemas.microsoft.com/office/drawing/2014/main" id="{240E86A7-5333-45CF-8F0A-7E561E9712E5}"/>
+              </a:ext>
+            </a:extLst>
+          </p:cNvPr>
+          <p:cNvPicPr>
+            <a:picLocks noChangeAspect="1"/>
+          </p:cNvPicPr>
+          <p:nvPr/>
+        </p:nvPicPr>
+        <p:blipFill>
+          <a:blip r:embed="rId4">
+            <a:extLst>
+              <a:ext uri="{28A0092B-C50C-407E-A947-70E740481C1C}">
+                <a14:useLocalDpi xmlns:a14="http://schemas.microsoft.com/office/drawing/2010/main" val="0"/>
+              </a:ext>
+              <a:ext uri="{96DAC541-7B7A-43D3-8B79-37D633B846F1}">
+                <asvg:svgBlip xmlns:asvg="http://schemas.microsoft.com/office/drawing/2016/SVG/main" r:embed="rId5"/>
+              </a:ext>
+            </a:extLst>
+          </a:blip>
+          <a:stretch>
+            <a:fillRect/>
+          </a:stretch>
+        </p:blipFill>
+        <p:spPr>
+          <a:xfrm>
+            <a:off x="3441576" y="3577136"/>
+            <a:ext cx="914400" cy="914400"/>
+          </a:xfrm>
+          <a:prstGeom prst="rect">
+            <a:avLst/>
+          </a:prstGeom>
+        </p:spPr>
+      </p:pic>
+      <p:cxnSp>
+        <p:nvCxnSpPr>
+          <p:cNvPr id="12" name="Gerade Verbindung mit Pfeil 11">
+            <a:extLst>
+              <a:ext uri="{FF2B5EF4-FFF2-40B4-BE49-F238E27FC236}">
+                <a16:creationId xmlns:a16="http://schemas.microsoft.com/office/drawing/2014/main" id="{CC8EA579-F34C-49D6-A696-4C592DFDBF7F}"/>
+              </a:ext>
+            </a:extLst>
+          </p:cNvPr>
+          <p:cNvCxnSpPr>
+            <a:cxnSpLocks/>
+          </p:cNvCxnSpPr>
+          <p:nvPr/>
+        </p:nvCxnSpPr>
+        <p:spPr>
+          <a:xfrm>
+            <a:off x="4572000" y="4083918"/>
+            <a:ext cx="1547909" cy="0"/>
+          </a:xfrm>
+          <a:prstGeom prst="straightConnector1">
+            <a:avLst/>
+          </a:prstGeom>
+          <a:ln w="9525">
+            <a:solidFill>
+              <a:srgbClr val="B7B7B7"/>
+            </a:solidFill>
+            <a:tailEnd type="triangle"/>
+          </a:ln>
+        </p:spPr>
+        <p:style>
+          <a:lnRef idx="1">
+            <a:schemeClr val="accent1"/>
+          </a:lnRef>
+          <a:fillRef idx="0">
+            <a:schemeClr val="accent1"/>
+          </a:fillRef>
+          <a:effectRef idx="0">
+            <a:schemeClr val="accent1"/>
+          </a:effectRef>
+          <a:fontRef idx="minor">
+            <a:schemeClr val="tx1"/>
+          </a:fontRef>
+        </p:style>
+      </p:cxnSp>
+      <p:pic>
+        <p:nvPicPr>
+          <p:cNvPr id="20" name="Grafik 19" descr="Server">
+            <a:extLst>
+              <a:ext uri="{FF2B5EF4-FFF2-40B4-BE49-F238E27FC236}">
+                <a16:creationId xmlns:a16="http://schemas.microsoft.com/office/drawing/2014/main" id="{03DBD62D-98EB-491F-89A2-93476480DBD8}"/>
+              </a:ext>
+            </a:extLst>
+          </p:cNvPr>
+          <p:cNvPicPr>
+            <a:picLocks noChangeAspect="1"/>
+          </p:cNvPicPr>
+          <p:nvPr/>
+        </p:nvPicPr>
+        <p:blipFill>
+          <a:blip r:embed="rId6">
+            <a:extLst>
+              <a:ext uri="{28A0092B-C50C-407E-A947-70E740481C1C}">
+                <a14:useLocalDpi xmlns:a14="http://schemas.microsoft.com/office/drawing/2010/main" val="0"/>
+              </a:ext>
+              <a:ext uri="{96DAC541-7B7A-43D3-8B79-37D633B846F1}">
+                <asvg:svgBlip xmlns:asvg="http://schemas.microsoft.com/office/drawing/2016/SVG/main" r:embed="rId7"/>
+              </a:ext>
+            </a:extLst>
+          </a:blip>
+          <a:stretch>
+            <a:fillRect/>
+          </a:stretch>
+        </p:blipFill>
+        <p:spPr>
+          <a:xfrm>
+            <a:off x="6496877" y="4132031"/>
+            <a:ext cx="576059" cy="576059"/>
+          </a:xfrm>
+          <a:prstGeom prst="rect">
+            <a:avLst/>
+          </a:prstGeom>
+        </p:spPr>
+      </p:pic>
+      <p:pic>
+        <p:nvPicPr>
+          <p:cNvPr id="21" name="Grafik 20" descr="Server">
+            <a:extLst>
+              <a:ext uri="{FF2B5EF4-FFF2-40B4-BE49-F238E27FC236}">
+                <a16:creationId xmlns:a16="http://schemas.microsoft.com/office/drawing/2014/main" id="{A4236B8A-D646-4AC0-8E31-693582E75527}"/>
+              </a:ext>
+            </a:extLst>
+          </p:cNvPr>
+          <p:cNvPicPr>
+            <a:picLocks noChangeAspect="1"/>
+          </p:cNvPicPr>
+          <p:nvPr/>
+        </p:nvPicPr>
+        <p:blipFill>
+          <a:blip r:embed="rId6">
+            <a:extLst>
+              <a:ext uri="{28A0092B-C50C-407E-A947-70E740481C1C}">
+                <a14:useLocalDpi xmlns:a14="http://schemas.microsoft.com/office/drawing/2010/main" val="0"/>
+              </a:ext>
+              <a:ext uri="{96DAC541-7B7A-43D3-8B79-37D633B846F1}">
+                <asvg:svgBlip xmlns:asvg="http://schemas.microsoft.com/office/drawing/2016/SVG/main" r:embed="rId7"/>
+              </a:ext>
+            </a:extLst>
+          </a:blip>
+          <a:stretch>
+            <a:fillRect/>
+          </a:stretch>
+        </p:blipFill>
+        <p:spPr>
+          <a:xfrm>
+            <a:off x="7463675" y="4018959"/>
+            <a:ext cx="576059" cy="576059"/>
+          </a:xfrm>
+          <a:prstGeom prst="rect">
+            <a:avLst/>
+          </a:prstGeom>
+        </p:spPr>
+      </p:pic>
+      <p:pic>
+        <p:nvPicPr>
+          <p:cNvPr id="22" name="Grafik 21" descr="Server">
+            <a:extLst>
+              <a:ext uri="{FF2B5EF4-FFF2-40B4-BE49-F238E27FC236}">
+                <a16:creationId xmlns:a16="http://schemas.microsoft.com/office/drawing/2014/main" id="{BE98BE6D-27E1-4F71-9CB0-13C5411CBDED}"/>
+              </a:ext>
+            </a:extLst>
+          </p:cNvPr>
+          <p:cNvPicPr>
+            <a:picLocks noChangeAspect="1"/>
+          </p:cNvPicPr>
+          <p:nvPr/>
+        </p:nvPicPr>
+        <p:blipFill>
+          <a:blip r:embed="rId6">
+            <a:extLst>
+              <a:ext uri="{28A0092B-C50C-407E-A947-70E740481C1C}">
+                <a14:useLocalDpi xmlns:a14="http://schemas.microsoft.com/office/drawing/2010/main" val="0"/>
+              </a:ext>
+              <a:ext uri="{96DAC541-7B7A-43D3-8B79-37D633B846F1}">
+                <asvg:svgBlip xmlns:asvg="http://schemas.microsoft.com/office/drawing/2016/SVG/main" r:embed="rId7"/>
+              </a:ext>
+            </a:extLst>
+          </a:blip>
+          <a:stretch>
+            <a:fillRect/>
+          </a:stretch>
+        </p:blipFill>
+        <p:spPr>
+          <a:xfrm>
+            <a:off x="7380120" y="3375556"/>
+            <a:ext cx="576059" cy="576059"/>
+          </a:xfrm>
+          <a:prstGeom prst="rect">
+            <a:avLst/>
+          </a:prstGeom>
+        </p:spPr>
+      </p:pic>
+      <p:cxnSp>
+        <p:nvCxnSpPr>
+          <p:cNvPr id="24" name="Gerade Verbindung mit Pfeil 23">
+            <a:extLst>
+              <a:ext uri="{FF2B5EF4-FFF2-40B4-BE49-F238E27FC236}">
+                <a16:creationId xmlns:a16="http://schemas.microsoft.com/office/drawing/2014/main" id="{AFD474B2-E8D3-4FDB-A8C4-24E160B7C600}"/>
+              </a:ext>
+            </a:extLst>
+          </p:cNvPr>
+          <p:cNvCxnSpPr/>
+          <p:nvPr/>
+        </p:nvCxnSpPr>
+        <p:spPr>
+          <a:xfrm>
+            <a:off x="7308304" y="2673577"/>
+            <a:ext cx="432045" cy="490060"/>
+          </a:xfrm>
+          <a:prstGeom prst="straightConnector1">
+            <a:avLst/>
+          </a:prstGeom>
+          <a:ln w="9525">
+            <a:solidFill>
+              <a:srgbClr val="B7B7B7"/>
+            </a:solidFill>
+            <a:headEnd type="triangle"/>
+            <a:tailEnd type="triangle"/>
+          </a:ln>
+        </p:spPr>
+        <p:style>
+          <a:lnRef idx="1">
+            <a:schemeClr val="accent1"/>
+          </a:lnRef>
+          <a:fillRef idx="0">
+            <a:schemeClr val="accent1"/>
+          </a:fillRef>
+          <a:effectRef idx="0">
+            <a:schemeClr val="accent1"/>
+          </a:effectRef>
+          <a:fontRef idx="minor">
+            <a:schemeClr val="tx1"/>
+          </a:fontRef>
+        </p:style>
+      </p:cxnSp>
+      <p:cxnSp>
+        <p:nvCxnSpPr>
+          <p:cNvPr id="26" name="Gerade Verbindung mit Pfeil 25">
+            <a:extLst>
+              <a:ext uri="{FF2B5EF4-FFF2-40B4-BE49-F238E27FC236}">
+                <a16:creationId xmlns:a16="http://schemas.microsoft.com/office/drawing/2014/main" id="{D0407522-C829-40E7-A04B-86B33D48B27B}"/>
+              </a:ext>
+            </a:extLst>
+          </p:cNvPr>
+          <p:cNvCxnSpPr>
+            <a:cxnSpLocks/>
+          </p:cNvCxnSpPr>
+          <p:nvPr/>
+        </p:nvCxnSpPr>
+        <p:spPr>
+          <a:xfrm flipV="1">
+            <a:off x="7037162" y="4306988"/>
+            <a:ext cx="415158" cy="64831"/>
+          </a:xfrm>
+          <a:prstGeom prst="straightConnector1">
+            <a:avLst/>
+          </a:prstGeom>
+          <a:ln w="9525">
+            <a:solidFill>
+              <a:srgbClr val="B7B7B7"/>
+            </a:solidFill>
+            <a:headEnd type="triangle"/>
+            <a:tailEnd type="triangle"/>
+          </a:ln>
+        </p:spPr>
+        <p:style>
+          <a:lnRef idx="1">
+            <a:schemeClr val="accent1"/>
+          </a:lnRef>
+          <a:fillRef idx="0">
+            <a:schemeClr val="accent1"/>
+          </a:fillRef>
+          <a:effectRef idx="0">
+            <a:schemeClr val="accent1"/>
+          </a:effectRef>
+          <a:fontRef idx="minor">
+            <a:schemeClr val="tx1"/>
+          </a:fontRef>
+        </p:style>
+      </p:cxnSp>
     </p:spTree>
     <p:extLst>
       <p:ext uri="{BB962C8B-B14F-4D97-AF65-F5344CB8AC3E}">
@@ -6958,10 +7394,12 @@
 </file>
 
 <file path=customXml/item2.xml><?xml version="1.0" encoding="utf-8"?>
-<tns:customPropertyEditors xmlns:tns="http://schemas.microsoft.com/office/2006/customDocumentInformationPanel">
-  <tns:showOnOpen>false</tns:showOnOpen>
-  <tns:defaultPropertyEditorNamespace>Standard- und SharePoint-Bibliothekseigenschaften</tns:defaultPropertyEditorNamespace>
-</tns:customPropertyEditors>
+<p:properties xmlns:p="http://schemas.microsoft.com/office/2006/metadata/properties" xmlns:xsi="http://www.w3.org/2001/XMLSchema-instance" xmlns:pc="http://schemas.microsoft.com/office/infopath/2007/PartnerControls">
+  <documentManagement>
+    <Vertraulichkeit xmlns="9f2978cc-3e47-403a-b2fe-91b6bff435b7">Intern</Vertraulichkeit>
+    <_Status xmlns="http://schemas.microsoft.com/sharepoint/v3/fields">in Arbeit</_Status>
+  </documentManagement>
+</p:properties>
 </file>
 
 <file path=customXml/item3.xml><?xml version="1.0" encoding="utf-8"?>
@@ -7114,12 +7552,10 @@
 </file>
 
 <file path=customXml/item4.xml><?xml version="1.0" encoding="utf-8"?>
-<p:properties xmlns:p="http://schemas.microsoft.com/office/2006/metadata/properties" xmlns:xsi="http://www.w3.org/2001/XMLSchema-instance" xmlns:pc="http://schemas.microsoft.com/office/infopath/2007/PartnerControls">
-  <documentManagement>
-    <Vertraulichkeit xmlns="9f2978cc-3e47-403a-b2fe-91b6bff435b7">Intern</Vertraulichkeit>
-    <_Status xmlns="http://schemas.microsoft.com/sharepoint/v3/fields">in Arbeit</_Status>
-  </documentManagement>
-</p:properties>
+<tns:customPropertyEditors xmlns:tns="http://schemas.microsoft.com/office/2006/customDocumentInformationPanel">
+  <tns:showOnOpen>false</tns:showOnOpen>
+  <tns:defaultPropertyEditorNamespace>Standard- und SharePoint-Bibliothekseigenschaften</tns:defaultPropertyEditorNamespace>
+</tns:customPropertyEditors>
 </file>
 
 <file path=customXml/itemProps1.xml><?xml version="1.0" encoding="utf-8"?>
@@ -7131,9 +7567,18 @@
 </file>
 
 <file path=customXml/itemProps2.xml><?xml version="1.0" encoding="utf-8"?>
-<ds:datastoreItem xmlns:ds="http://schemas.openxmlformats.org/officeDocument/2006/customXml" ds:itemID="{126F925D-5B5E-4ED9-8F1A-0031942F8FB6}">
+<ds:datastoreItem xmlns:ds="http://schemas.openxmlformats.org/officeDocument/2006/customXml" ds:itemID="{4ABBA91C-7362-4181-84E0-BA62D80F712B}">
   <ds:schemaRefs>
-    <ds:schemaRef ds:uri="http://schemas.microsoft.com/office/2006/customDocumentInformationPanel"/>
+    <ds:schemaRef ds:uri="http://schemas.microsoft.com/office/2006/documentManagement/types"/>
+    <ds:schemaRef ds:uri="http://schemas.microsoft.com/office/infopath/2007/PartnerControls"/>
+    <ds:schemaRef ds:uri="http://purl.org/dc/elements/1.1/"/>
+    <ds:schemaRef ds:uri="http://schemas.microsoft.com/office/2006/metadata/properties"/>
+    <ds:schemaRef ds:uri="9f2978cc-3e47-403a-b2fe-91b6bff435b7"/>
+    <ds:schemaRef ds:uri="http://purl.org/dc/terms/"/>
+    <ds:schemaRef ds:uri="http://schemas.openxmlformats.org/package/2006/metadata/core-properties"/>
+    <ds:schemaRef ds:uri="http://schemas.microsoft.com/sharepoint/v3/fields"/>
+    <ds:schemaRef ds:uri="http://www.w3.org/XML/1998/namespace"/>
+    <ds:schemaRef ds:uri="http://purl.org/dc/dcmitype/"/>
   </ds:schemaRefs>
 </ds:datastoreItem>
 </file>
@@ -7158,18 +7603,9 @@
 </file>
 
 <file path=customXml/itemProps4.xml><?xml version="1.0" encoding="utf-8"?>
-<ds:datastoreItem xmlns:ds="http://schemas.openxmlformats.org/officeDocument/2006/customXml" ds:itemID="{4ABBA91C-7362-4181-84E0-BA62D80F712B}">
+<ds:datastoreItem xmlns:ds="http://schemas.openxmlformats.org/officeDocument/2006/customXml" ds:itemID="{126F925D-5B5E-4ED9-8F1A-0031942F8FB6}">
   <ds:schemaRefs>
-    <ds:schemaRef ds:uri="http://schemas.microsoft.com/office/2006/documentManagement/types"/>
-    <ds:schemaRef ds:uri="http://schemas.microsoft.com/office/infopath/2007/PartnerControls"/>
-    <ds:schemaRef ds:uri="http://purl.org/dc/elements/1.1/"/>
-    <ds:schemaRef ds:uri="http://schemas.microsoft.com/office/2006/metadata/properties"/>
-    <ds:schemaRef ds:uri="9f2978cc-3e47-403a-b2fe-91b6bff435b7"/>
-    <ds:schemaRef ds:uri="http://purl.org/dc/terms/"/>
-    <ds:schemaRef ds:uri="http://schemas.openxmlformats.org/package/2006/metadata/core-properties"/>
-    <ds:schemaRef ds:uri="http://schemas.microsoft.com/sharepoint/v3/fields"/>
-    <ds:schemaRef ds:uri="http://www.w3.org/XML/1998/namespace"/>
-    <ds:schemaRef ds:uri="http://purl.org/dc/dcmitype/"/>
+    <ds:schemaRef ds:uri="http://schemas.microsoft.com/office/2006/customDocumentInformationPanel"/>
   </ds:schemaRefs>
 </ds:datastoreItem>
 </file>